--- a/11 12 Predavanje/Predavanje 11-12 AI u softverskim rjesenjima.pptx
+++ b/11 12 Predavanje/Predavanje 11-12 AI u softverskim rjesenjima.pptx
@@ -225,7 +225,7 @@
           <a:p>
             <a:fld id="{27BE1E8B-3F77-465A-A60C-EAE528150B03}" type="datetimeFigureOut">
               <a:rPr lang="en-US" smtClean="0"/>
-              <a:t>6/6/2019</a:t>
+              <a:t>6/8/2019</a:t>
             </a:fld>
             <a:endParaRPr lang="en-US"/>
           </a:p>
@@ -864,7 +864,7 @@
           <a:p>
             <a:fld id="{5AADDFB8-FA4B-4681-8BD8-0EED9F519478}" type="datetimeFigureOut">
               <a:rPr lang="en-US" smtClean="0"/>
-              <a:t>6/6/2019</a:t>
+              <a:t>6/8/2019</a:t>
             </a:fld>
             <a:endParaRPr lang="en-US"/>
           </a:p>
@@ -1062,7 +1062,7 @@
           <a:p>
             <a:fld id="{5AADDFB8-FA4B-4681-8BD8-0EED9F519478}" type="datetimeFigureOut">
               <a:rPr lang="en-US" smtClean="0"/>
-              <a:t>6/6/2019</a:t>
+              <a:t>6/8/2019</a:t>
             </a:fld>
             <a:endParaRPr lang="en-US"/>
           </a:p>
@@ -1270,7 +1270,7 @@
           <a:p>
             <a:fld id="{5AADDFB8-FA4B-4681-8BD8-0EED9F519478}" type="datetimeFigureOut">
               <a:rPr lang="en-US" smtClean="0"/>
-              <a:t>6/6/2019</a:t>
+              <a:t>6/8/2019</a:t>
             </a:fld>
             <a:endParaRPr lang="en-US"/>
           </a:p>
@@ -1468,7 +1468,7 @@
           <a:p>
             <a:fld id="{5AADDFB8-FA4B-4681-8BD8-0EED9F519478}" type="datetimeFigureOut">
               <a:rPr lang="en-US" smtClean="0"/>
-              <a:t>6/6/2019</a:t>
+              <a:t>6/8/2019</a:t>
             </a:fld>
             <a:endParaRPr lang="en-US"/>
           </a:p>
@@ -1743,7 +1743,7 @@
           <a:p>
             <a:fld id="{5AADDFB8-FA4B-4681-8BD8-0EED9F519478}" type="datetimeFigureOut">
               <a:rPr lang="en-US" smtClean="0"/>
-              <a:t>6/6/2019</a:t>
+              <a:t>6/8/2019</a:t>
             </a:fld>
             <a:endParaRPr lang="en-US"/>
           </a:p>
@@ -2008,7 +2008,7 @@
           <a:p>
             <a:fld id="{5AADDFB8-FA4B-4681-8BD8-0EED9F519478}" type="datetimeFigureOut">
               <a:rPr lang="en-US" smtClean="0"/>
-              <a:t>6/6/2019</a:t>
+              <a:t>6/8/2019</a:t>
             </a:fld>
             <a:endParaRPr lang="en-US"/>
           </a:p>
@@ -2420,7 +2420,7 @@
           <a:p>
             <a:fld id="{5AADDFB8-FA4B-4681-8BD8-0EED9F519478}" type="datetimeFigureOut">
               <a:rPr lang="en-US" smtClean="0"/>
-              <a:t>6/6/2019</a:t>
+              <a:t>6/8/2019</a:t>
             </a:fld>
             <a:endParaRPr lang="en-US"/>
           </a:p>
@@ -2561,7 +2561,7 @@
           <a:p>
             <a:fld id="{5AADDFB8-FA4B-4681-8BD8-0EED9F519478}" type="datetimeFigureOut">
               <a:rPr lang="en-US" smtClean="0"/>
-              <a:t>6/6/2019</a:t>
+              <a:t>6/8/2019</a:t>
             </a:fld>
             <a:endParaRPr lang="en-US"/>
           </a:p>
@@ -2674,7 +2674,7 @@
           <a:p>
             <a:fld id="{5AADDFB8-FA4B-4681-8BD8-0EED9F519478}" type="datetimeFigureOut">
               <a:rPr lang="en-US" smtClean="0"/>
-              <a:t>6/6/2019</a:t>
+              <a:t>6/8/2019</a:t>
             </a:fld>
             <a:endParaRPr lang="en-US"/>
           </a:p>
@@ -2985,7 +2985,7 @@
           <a:p>
             <a:fld id="{5AADDFB8-FA4B-4681-8BD8-0EED9F519478}" type="datetimeFigureOut">
               <a:rPr lang="en-US" smtClean="0"/>
-              <a:t>6/6/2019</a:t>
+              <a:t>6/8/2019</a:t>
             </a:fld>
             <a:endParaRPr lang="en-US"/>
           </a:p>
@@ -3273,7 +3273,7 @@
           <a:p>
             <a:fld id="{5AADDFB8-FA4B-4681-8BD8-0EED9F519478}" type="datetimeFigureOut">
               <a:rPr lang="en-US" smtClean="0"/>
-              <a:t>6/6/2019</a:t>
+              <a:t>6/8/2019</a:t>
             </a:fld>
             <a:endParaRPr lang="en-US"/>
           </a:p>
@@ -3514,7 +3514,7 @@
           <a:p>
             <a:fld id="{5AADDFB8-FA4B-4681-8BD8-0EED9F519478}" type="datetimeFigureOut">
               <a:rPr lang="en-US" smtClean="0"/>
-              <a:t>6/6/2019</a:t>
+              <a:t>6/8/2019</a:t>
             </a:fld>
             <a:endParaRPr lang="en-US"/>
           </a:p>
@@ -13410,13 +13410,18 @@
             <p:ph type="title"/>
           </p:nvPr>
         </p:nvSpPr>
-        <p:spPr/>
+        <p:spPr>
+          <a:xfrm>
+            <a:off x="838200" y="365125"/>
+            <a:ext cx="10515600" cy="1325563"/>
+          </a:xfrm>
+        </p:spPr>
         <p:txBody>
           <a:bodyPr/>
           <a:lstStyle/>
           <a:p>
             <a:r>
-              <a:rPr lang="bs-Latn-BA" dirty="0"/>
+              <a:rPr lang="bs-Latn-BA"/>
               <a:t>.NET Framework Platforma</a:t>
             </a:r>
             <a:endParaRPr lang="en-US" dirty="0"/>
@@ -13425,10 +13430,10 @@
       </p:sp>
       <p:pic>
         <p:nvPicPr>
-          <p:cNvPr id="5" name="Content Placeholder 4">
+          <p:cNvPr id="6" name="Content Placeholder 4">
             <a:extLst>
               <a:ext uri="{FF2B5EF4-FFF2-40B4-BE49-F238E27FC236}">
-                <a16:creationId xmlns:a16="http://schemas.microsoft.com/office/drawing/2014/main" id="{1D3B6D34-DB97-450F-AB58-7F94EE540207}"/>
+                <a16:creationId xmlns:a16="http://schemas.microsoft.com/office/drawing/2014/main" id="{BA433D6B-EB75-41A7-BAFA-68BCAEAF0DE3}"/>
               </a:ext>
             </a:extLst>
           </p:cNvPr>
@@ -14421,7 +14426,7 @@
 </file>
 
 <file path=ppt/slides/slide25.xml><?xml version="1.0" encoding="utf-8"?>
-<p:sld xmlns:a="http://schemas.openxmlformats.org/drawingml/2006/main" xmlns:r="http://schemas.openxmlformats.org/officeDocument/2006/relationships" xmlns:p="http://schemas.openxmlformats.org/presentationml/2006/main" show="0">
+<p:sld xmlns:a="http://schemas.openxmlformats.org/drawingml/2006/main" xmlns:r="http://schemas.openxmlformats.org/officeDocument/2006/relationships" xmlns:p="http://schemas.openxmlformats.org/presentationml/2006/main">
   <p:cSld>
     <p:spTree>
       <p:nvGrpSpPr>
